--- a/8.Partitions_And_LVM_And_Filesystems/08-PartitionsLVMFileSystems.pptx
+++ b/8.Partitions_And_LVM_And_Filesystems/08-PartitionsLVMFileSystems.pptx
@@ -314,7 +314,7 @@
           <a:p>
             <a:fld id="{3EA744D9-3FBE-48D8-BF2A-85DF203E4D20}" type="datetimeFigureOut">
               <a:rPr lang="bg-BG" smtClean="0"/>
-              <a:t>13.12.2016 г.</a:t>
+              <a:t>21.03.17 г.</a:t>
             </a:fld>
             <a:endParaRPr lang="bg-BG"/>
           </a:p>
@@ -484,7 +484,7 @@
           <a:p>
             <a:fld id="{3EA744D9-3FBE-48D8-BF2A-85DF203E4D20}" type="datetimeFigureOut">
               <a:rPr lang="bg-BG" smtClean="0"/>
-              <a:t>13.12.2016 г.</a:t>
+              <a:t>21.03.17 г.</a:t>
             </a:fld>
             <a:endParaRPr lang="bg-BG"/>
           </a:p>
@@ -664,7 +664,7 @@
           <a:p>
             <a:fld id="{3EA744D9-3FBE-48D8-BF2A-85DF203E4D20}" type="datetimeFigureOut">
               <a:rPr lang="bg-BG" smtClean="0"/>
-              <a:t>13.12.2016 г.</a:t>
+              <a:t>21.03.17 г.</a:t>
             </a:fld>
             <a:endParaRPr lang="bg-BG"/>
           </a:p>
@@ -834,7 +834,7 @@
           <a:p>
             <a:fld id="{3EA744D9-3FBE-48D8-BF2A-85DF203E4D20}" type="datetimeFigureOut">
               <a:rPr lang="bg-BG" smtClean="0"/>
-              <a:t>13.12.2016 г.</a:t>
+              <a:t>21.03.17 г.</a:t>
             </a:fld>
             <a:endParaRPr lang="bg-BG"/>
           </a:p>
@@ -1080,7 +1080,7 @@
           <a:p>
             <a:fld id="{3EA744D9-3FBE-48D8-BF2A-85DF203E4D20}" type="datetimeFigureOut">
               <a:rPr lang="bg-BG" smtClean="0"/>
-              <a:t>13.12.2016 г.</a:t>
+              <a:t>21.03.17 г.</a:t>
             </a:fld>
             <a:endParaRPr lang="bg-BG"/>
           </a:p>
@@ -1368,7 +1368,7 @@
           <a:p>
             <a:fld id="{3EA744D9-3FBE-48D8-BF2A-85DF203E4D20}" type="datetimeFigureOut">
               <a:rPr lang="bg-BG" smtClean="0"/>
-              <a:t>13.12.2016 г.</a:t>
+              <a:t>21.03.17 г.</a:t>
             </a:fld>
             <a:endParaRPr lang="bg-BG"/>
           </a:p>
@@ -1790,7 +1790,7 @@
           <a:p>
             <a:fld id="{3EA744D9-3FBE-48D8-BF2A-85DF203E4D20}" type="datetimeFigureOut">
               <a:rPr lang="bg-BG" smtClean="0"/>
-              <a:t>13.12.2016 г.</a:t>
+              <a:t>21.03.17 г.</a:t>
             </a:fld>
             <a:endParaRPr lang="bg-BG"/>
           </a:p>
@@ -1908,7 +1908,7 @@
           <a:p>
             <a:fld id="{3EA744D9-3FBE-48D8-BF2A-85DF203E4D20}" type="datetimeFigureOut">
               <a:rPr lang="bg-BG" smtClean="0"/>
-              <a:t>13.12.2016 г.</a:t>
+              <a:t>21.03.17 г.</a:t>
             </a:fld>
             <a:endParaRPr lang="bg-BG"/>
           </a:p>
@@ -2003,7 +2003,7 @@
           <a:p>
             <a:fld id="{3EA744D9-3FBE-48D8-BF2A-85DF203E4D20}" type="datetimeFigureOut">
               <a:rPr lang="bg-BG" smtClean="0"/>
-              <a:t>13.12.2016 г.</a:t>
+              <a:t>21.03.17 г.</a:t>
             </a:fld>
             <a:endParaRPr lang="bg-BG"/>
           </a:p>
@@ -2280,7 +2280,7 @@
           <a:p>
             <a:fld id="{3EA744D9-3FBE-48D8-BF2A-85DF203E4D20}" type="datetimeFigureOut">
               <a:rPr lang="bg-BG" smtClean="0"/>
-              <a:t>13.12.2016 г.</a:t>
+              <a:t>21.03.17 г.</a:t>
             </a:fld>
             <a:endParaRPr lang="bg-BG"/>
           </a:p>
@@ -2533,7 +2533,7 @@
           <a:p>
             <a:fld id="{3EA744D9-3FBE-48D8-BF2A-85DF203E4D20}" type="datetimeFigureOut">
               <a:rPr lang="bg-BG" smtClean="0"/>
-              <a:t>13.12.2016 г.</a:t>
+              <a:t>21.03.17 г.</a:t>
             </a:fld>
             <a:endParaRPr lang="bg-BG"/>
           </a:p>
@@ -2755,7 +2755,7 @@
           <a:p>
             <a:fld id="{3EA744D9-3FBE-48D8-BF2A-85DF203E4D20}" type="datetimeFigureOut">
               <a:rPr lang="bg-BG" smtClean="0"/>
-              <a:t>13.12.2016 г.</a:t>
+              <a:t>21.03.17 г.</a:t>
             </a:fld>
             <a:endParaRPr lang="bg-BG"/>
           </a:p>
@@ -4028,7 +4028,7 @@
             <a:r>
               <a:rPr lang="en-US" sz="1400" dirty="0" err="1" smtClean="0">
                 <a:solidFill>
-                  <a:schemeClr val="accent6"/>
+                  <a:schemeClr val="bg1"/>
                 </a:solidFill>
               </a:rPr>
               <a:t>pvcreate</a:t>
@@ -4059,7 +4059,7 @@
             <a:r>
               <a:rPr lang="en-US" sz="1400" dirty="0" err="1" smtClean="0">
                 <a:solidFill>
-                  <a:schemeClr val="accent6"/>
+                  <a:schemeClr val="bg1"/>
                 </a:solidFill>
               </a:rPr>
               <a:t>vgcreate</a:t>
@@ -4090,7 +4090,7 @@
             <a:r>
               <a:rPr lang="en-US" sz="1400" dirty="0" err="1" smtClean="0">
                 <a:solidFill>
-                  <a:schemeClr val="accent6"/>
+                  <a:schemeClr val="bg1"/>
                 </a:solidFill>
               </a:rPr>
               <a:t>lvcreate</a:t>
@@ -4158,24 +4158,32 @@
             <a:r>
               <a:rPr lang="en-US" sz="1400" dirty="0" smtClean="0">
                 <a:solidFill>
-                  <a:schemeClr val="accent6"/>
+                  <a:schemeClr val="accent5"/>
                 </a:solidFill>
               </a:rPr>
               <a:t>Why LVM is great ? </a:t>
             </a:r>
-            <a:br>
+            <a:r>
               <a:rPr lang="en-US" sz="1400" dirty="0" smtClean="0">
                 <a:solidFill>
                   <a:schemeClr val="accent6"/>
                 </a:solidFill>
               </a:rPr>
-            </a:br>
-            <a:r>
+              <a:t/>
+            </a:r>
+            <a:br>
               <a:rPr lang="en-US" sz="1400" dirty="0" smtClean="0">
                 <a:solidFill>
                   <a:schemeClr val="accent6"/>
                 </a:solidFill>
               </a:rPr>
+            </a:br>
+            <a:r>
+              <a:rPr lang="en-US" sz="1400" dirty="0" smtClean="0">
+                <a:solidFill>
+                  <a:schemeClr val="accent6"/>
+                </a:solidFill>
+              </a:rPr>
               <a:t>Discussion!</a:t>
             </a:r>
             <a:br>
@@ -4283,12 +4291,20 @@
                   <a:schemeClr val="accent6"/>
                 </a:solidFill>
               </a:rPr>
-              <a:t>3. Replace failed hardware easily(man </a:t>
+              <a:t>3. Replace failed hardware easily(</a:t>
+            </a:r>
+            <a:r>
+              <a:rPr lang="en-US" sz="1400" dirty="0" smtClean="0">
+                <a:solidFill>
+                  <a:schemeClr val="bg1"/>
+                </a:solidFill>
+              </a:rPr>
+              <a:t>man </a:t>
             </a:r>
             <a:r>
               <a:rPr lang="en-US" sz="1400" dirty="0" err="1" smtClean="0">
                 <a:solidFill>
-                  <a:schemeClr val="accent6"/>
+                  <a:schemeClr val="bg1"/>
                 </a:solidFill>
               </a:rPr>
               <a:t>pvmove</a:t>
@@ -4797,7 +4813,23 @@
                   <a:schemeClr val="accent6"/>
                 </a:solidFill>
               </a:rPr>
-              <a:t>All devices in Linux are under /dev directory or file system. </a:t>
+              <a:t>All devices in Linux are under </a:t>
+            </a:r>
+            <a:r>
+              <a:rPr lang="en-US" sz="1800" dirty="0" smtClean="0">
+                <a:solidFill>
+                  <a:schemeClr val="bg1"/>
+                </a:solidFill>
+              </a:rPr>
+              <a:t>/dev </a:t>
+            </a:r>
+            <a:r>
+              <a:rPr lang="en-US" sz="1800" dirty="0" smtClean="0">
+                <a:solidFill>
+                  <a:schemeClr val="accent6"/>
+                </a:solidFill>
+              </a:rPr>
+              <a:t>directory or file system. </a:t>
             </a:r>
             <a:br>
               <a:rPr lang="en-US" sz="1800" dirty="0" smtClean="0">
@@ -5692,7 +5724,7 @@
             <a:r>
               <a:rPr lang="en-US" dirty="0" err="1" smtClean="0">
                 <a:solidFill>
-                  <a:schemeClr val="accent6"/>
+                  <a:schemeClr val="bg1"/>
                 </a:solidFill>
               </a:rPr>
               <a:t>gdisk</a:t>
@@ -5857,7 +5889,39 @@
                   <a:schemeClr val="accent6"/>
                 </a:solidFill>
               </a:rPr>
-              <a:t>In computing, a file system is used to control how data is stored and retrieved. The most common file systems under Linux are ‘XFS’ and ‘ext4’. Almost each file system has a journal that helps it to recover after a crash(unexpected power off).</a:t>
+              <a:t>In computing, a file system is used to control how data is stored and retrieved. The most common file systems under Linux are ‘</a:t>
+            </a:r>
+            <a:r>
+              <a:rPr lang="en-US" sz="2200" dirty="0" smtClean="0">
+                <a:solidFill>
+                  <a:schemeClr val="bg1"/>
+                </a:solidFill>
+              </a:rPr>
+              <a:t>XFS</a:t>
+            </a:r>
+            <a:r>
+              <a:rPr lang="en-US" sz="2200" dirty="0" smtClean="0">
+                <a:solidFill>
+                  <a:schemeClr val="accent6"/>
+                </a:solidFill>
+              </a:rPr>
+              <a:t>’ and ‘</a:t>
+            </a:r>
+            <a:r>
+              <a:rPr lang="en-US" sz="2200" dirty="0" smtClean="0">
+                <a:solidFill>
+                  <a:schemeClr val="bg1"/>
+                </a:solidFill>
+              </a:rPr>
+              <a:t>ext4</a:t>
+            </a:r>
+            <a:r>
+              <a:rPr lang="en-US" sz="2200" dirty="0" smtClean="0">
+                <a:solidFill>
+                  <a:schemeClr val="accent6"/>
+                </a:solidFill>
+              </a:rPr>
+              <a:t>’. Almost each file system has a journal that helps it to recover after a crash(unexpected power off).</a:t>
             </a:r>
             <a:endParaRPr lang="en-US" sz="2200" dirty="0">
               <a:solidFill>
@@ -5940,7 +6004,7 @@
             <a:r>
               <a:rPr lang="en-US" dirty="0" err="1" smtClean="0">
                 <a:solidFill>
-                  <a:schemeClr val="accent6"/>
+                  <a:schemeClr val="bg1"/>
                 </a:solidFill>
               </a:rPr>
               <a:t>fsck</a:t>
@@ -5951,7 +6015,23 @@
                   <a:schemeClr val="accent6"/>
                 </a:solidFill>
               </a:rPr>
-              <a:t>’ man page. 2. Google ‘superblock’, try to explain it to your colleague ?  </a:t>
+              <a:t>’ man page. 2. Google ‘</a:t>
+            </a:r>
+            <a:r>
+              <a:rPr lang="en-US" dirty="0" smtClean="0">
+                <a:solidFill>
+                  <a:schemeClr val="bg1"/>
+                </a:solidFill>
+              </a:rPr>
+              <a:t>superblock</a:t>
+            </a:r>
+            <a:r>
+              <a:rPr lang="en-US" dirty="0" smtClean="0">
+                <a:solidFill>
+                  <a:schemeClr val="accent6"/>
+                </a:solidFill>
+              </a:rPr>
+              <a:t>’, try to explain it to your colleague ?  </a:t>
             </a:r>
             <a:endParaRPr lang="en-US" dirty="0">
               <a:solidFill>
@@ -6779,14 +6859,52 @@
                   <a:schemeClr val="accent6"/>
                 </a:solidFill>
               </a:rPr>
-              <a:t>When you mount a file system on a partition, always use UUID. Unique Identified for each block device, ru</a:t>
-            </a:r>
+              <a:t/>
+            </a:r>
+            <a:br>
+              <a:rPr lang="en-US" sz="2000" dirty="0" smtClean="0">
+                <a:solidFill>
+                  <a:schemeClr val="accent6"/>
+                </a:solidFill>
+              </a:rPr>
+            </a:br>
             <a:r>
               <a:rPr lang="en-US" sz="2000" dirty="0">
                 <a:solidFill>
                   <a:schemeClr val="accent6"/>
                 </a:solidFill>
               </a:rPr>
+              <a:t/>
+            </a:r>
+            <a:br>
+              <a:rPr lang="en-US" sz="2000" dirty="0">
+                <a:solidFill>
+                  <a:schemeClr val="accent6"/>
+                </a:solidFill>
+              </a:rPr>
+            </a:br>
+            <a:r>
+              <a:rPr lang="en-US" sz="2000" dirty="0" smtClean="0">
+                <a:solidFill>
+                  <a:schemeClr val="accent6"/>
+                </a:solidFill>
+              </a:rPr>
+              <a:t>When </a:t>
+            </a:r>
+            <a:r>
+              <a:rPr lang="en-US" sz="2000" dirty="0" smtClean="0">
+                <a:solidFill>
+                  <a:schemeClr val="accent6"/>
+                </a:solidFill>
+              </a:rPr>
+              <a:t>you mount a file system on a partition, always use UUID. Unique Identified for each block device, ru</a:t>
+            </a:r>
+            <a:r>
+              <a:rPr lang="en-US" sz="2000" dirty="0">
+                <a:solidFill>
+                  <a:schemeClr val="accent6"/>
+                </a:solidFill>
+              </a:rPr>
               <a:t>n</a:t>
             </a:r>
             <a:r>
@@ -6903,12 +7021,20 @@
                   <a:schemeClr val="accent6"/>
                 </a:solidFill>
               </a:rPr>
-              <a:t>1. man </a:t>
+              <a:t>1. </a:t>
+            </a:r>
+            <a:r>
+              <a:rPr lang="en-US" sz="2000" dirty="0" smtClean="0">
+                <a:solidFill>
+                  <a:schemeClr val="bg1"/>
+                </a:solidFill>
+              </a:rPr>
+              <a:t>man </a:t>
             </a:r>
             <a:r>
               <a:rPr lang="en-US" sz="2000" dirty="0" err="1" smtClean="0">
                 <a:solidFill>
-                  <a:schemeClr val="accent6"/>
+                  <a:schemeClr val="bg1"/>
                 </a:solidFill>
               </a:rPr>
               <a:t>blkid</a:t>
@@ -6916,7 +7042,7 @@
             <a:r>
               <a:rPr lang="en-US" sz="2000" dirty="0" smtClean="0">
                 <a:solidFill>
-                  <a:schemeClr val="accent6"/>
+                  <a:schemeClr val="bg1"/>
                 </a:solidFill>
               </a:rPr>
               <a:t/>
@@ -6924,7 +7050,7 @@
             <a:br>
               <a:rPr lang="en-US" sz="2000" dirty="0" smtClean="0">
                 <a:solidFill>
-                  <a:schemeClr val="accent6"/>
+                  <a:schemeClr val="bg1"/>
                 </a:solidFill>
               </a:rPr>
             </a:br>
@@ -6934,12 +7060,20 @@
                   <a:schemeClr val="accent6"/>
                 </a:solidFill>
               </a:rPr>
-              <a:t>2. man </a:t>
+              <a:t>2. </a:t>
+            </a:r>
+            <a:r>
+              <a:rPr lang="en-US" sz="2000" dirty="0" smtClean="0">
+                <a:solidFill>
+                  <a:schemeClr val="bg1"/>
+                </a:solidFill>
+              </a:rPr>
+              <a:t>man </a:t>
             </a:r>
             <a:r>
               <a:rPr lang="en-US" sz="2000" dirty="0" err="1" smtClean="0">
                 <a:solidFill>
-                  <a:schemeClr val="accent6"/>
+                  <a:schemeClr val="bg1"/>
                 </a:solidFill>
               </a:rPr>
               <a:t>fstab</a:t>
@@ -6947,7 +7081,7 @@
             <a:r>
               <a:rPr lang="en-US" sz="2000" dirty="0" smtClean="0">
                 <a:solidFill>
-                  <a:schemeClr val="accent6"/>
+                  <a:schemeClr val="bg1"/>
                 </a:solidFill>
               </a:rPr>
               <a:t/>
@@ -6955,7 +7089,7 @@
             <a:br>
               <a:rPr lang="en-US" sz="2000" dirty="0" smtClean="0">
                 <a:solidFill>
-                  <a:schemeClr val="accent6"/>
+                  <a:schemeClr val="bg1"/>
                 </a:solidFill>
               </a:rPr>
             </a:br>
@@ -6965,12 +7099,20 @@
                   <a:schemeClr val="accent6"/>
                 </a:solidFill>
               </a:rPr>
-              <a:t>3. cat /</a:t>
+              <a:t>3. </a:t>
+            </a:r>
+            <a:r>
+              <a:rPr lang="en-US" sz="2000" dirty="0" smtClean="0">
+                <a:solidFill>
+                  <a:schemeClr val="bg1"/>
+                </a:solidFill>
+              </a:rPr>
+              <a:t>cat /</a:t>
             </a:r>
             <a:r>
               <a:rPr lang="en-US" sz="2000" dirty="0" err="1" smtClean="0">
                 <a:solidFill>
-                  <a:schemeClr val="accent6"/>
+                  <a:schemeClr val="bg1"/>
                 </a:solidFill>
               </a:rPr>
               <a:t>etc</a:t>
@@ -6978,7 +7120,7 @@
             <a:r>
               <a:rPr lang="en-US" sz="2000" dirty="0" smtClean="0">
                 <a:solidFill>
-                  <a:schemeClr val="accent6"/>
+                  <a:schemeClr val="bg1"/>
                 </a:solidFill>
               </a:rPr>
               <a:t>/</a:t>
@@ -6986,7 +7128,7 @@
             <a:r>
               <a:rPr lang="en-US" sz="2000" dirty="0" err="1" smtClean="0">
                 <a:solidFill>
-                  <a:schemeClr val="accent6"/>
+                  <a:schemeClr val="bg1"/>
                 </a:solidFill>
               </a:rPr>
               <a:t>fstab</a:t>
@@ -6994,10 +7136,18 @@
             <a:r>
               <a:rPr lang="en-US" sz="2000" dirty="0" smtClean="0">
                 <a:solidFill>
-                  <a:schemeClr val="accent6"/>
+                  <a:schemeClr val="bg1"/>
                 </a:solidFill>
               </a:rPr>
               <a:t> </a:t>
+            </a:r>
+            <a:r>
+              <a:rPr lang="en-US" sz="2000" dirty="0" smtClean="0">
+                <a:solidFill>
+                  <a:schemeClr val="accent6"/>
+                </a:solidFill>
+              </a:rPr>
+              <a:t/>
             </a:r>
             <a:br>
               <a:rPr lang="en-US" sz="2000" dirty="0" smtClean="0">
@@ -7117,14 +7267,14 @@
             <p:ph idx="1"/>
             <p:extLst>
               <p:ext uri="{D42A27DB-BD31-4B8C-83A1-F6EECF244321}">
-                <p14:modId xmlns:p14="http://schemas.microsoft.com/office/powerpoint/2010/main" val="2649716246"/>
+                <p14:modId xmlns:p14="http://schemas.microsoft.com/office/powerpoint/2010/main" val="1852020678"/>
               </p:ext>
             </p:extLst>
           </p:nvPr>
         </p:nvGraphicFramePr>
         <p:xfrm>
-          <a:off x="1524000" y="4267199"/>
-          <a:ext cx="7239000" cy="2926080"/>
+          <a:off x="990600" y="4572000"/>
+          <a:ext cx="7162800" cy="2926080"/>
         </p:xfrm>
         <a:graphic>
           <a:graphicData uri="http://schemas.openxmlformats.org/drawingml/2006/table">
@@ -7133,10 +7283,10 @@
                 <a:tableStyleId>{5C22544A-7EE6-4342-B048-85BDC9FD1C3A}</a:tableStyleId>
               </a:tblPr>
               <a:tblGrid>
-                <a:gridCol w="3619500"/>
-                <a:gridCol w="3619500"/>
+                <a:gridCol w="3581400"/>
+                <a:gridCol w="3581400"/>
               </a:tblGrid>
-              <a:tr h="327660">
+              <a:tr h="308610">
                 <a:tc>
                   <a:txBody>
                     <a:bodyPr/>
@@ -7166,7 +7316,7 @@
                   <a:tcPr/>
                 </a:tc>
               </a:tr>
-              <a:tr h="573405">
+              <a:tr h="540067">
                 <a:tc>
                   <a:txBody>
                     <a:bodyPr/>
@@ -7204,7 +7354,7 @@
                   <a:tcPr/>
                 </a:tc>
               </a:tr>
-              <a:tr h="573405">
+              <a:tr h="540067">
                 <a:tc>
                   <a:txBody>
                     <a:bodyPr/>
@@ -7238,7 +7388,7 @@
                   <a:tcPr/>
                 </a:tc>
               </a:tr>
-              <a:tr h="573405">
+              <a:tr h="540067">
                 <a:tc>
                   <a:txBody>
                     <a:bodyPr/>
@@ -7268,7 +7418,7 @@
                   <a:tcPr/>
                 </a:tc>
               </a:tr>
-              <a:tr h="573405">
+              <a:tr h="540067">
                 <a:tc>
                   <a:txBody>
                     <a:bodyPr/>
